--- a/VCF comparasion.pptx
+++ b/VCF comparasion.pptx
@@ -1061,7 +1061,7 @@
             </a:r>
             <a:r>
               <a:rPr lang="en-GB" dirty="0"/>
-              <a:t> portal. </a:t>
+              <a:t> portal and which we found online. </a:t>
             </a:r>
           </a:p>
           <a:p>
@@ -1098,15 +1098,7 @@
             </a:br>
             <a:r>
               <a:rPr lang="en-US" dirty="0"/>
-              <a:t>However, tools which are using more complicated ways to determinate haplotypes and mutations have different results, but they are again similar between them. You can clearly see this on 2</a:t>
-            </a:r>
-            <a:r>
-              <a:rPr lang="en-US" baseline="30000" dirty="0"/>
-              <a:t>nd</a:t>
-            </a:r>
-            <a:r>
-              <a:rPr lang="en-US" dirty="0"/>
-              <a:t> graph which is now on the screen. </a:t>
+              <a:t>However, tools which are using more complicated ways to determinate haplotypes and mutations have different results, but they are again similar between them. You can clearly see this on upper graph which is now on the screen.  Also we can conclude that those tools are having much higher precision then our custom code and tools based on VCF records comparison as we can see on lower graph. </a:t>
             </a:r>
             <a:endParaRPr dirty="0"/>
           </a:p>
@@ -12428,7 +12420,7 @@
         </p:blipFill>
         <p:spPr>
           <a:xfrm>
-            <a:off x="4810848" y="1525598"/>
+            <a:off x="4810848" y="817384"/>
             <a:ext cx="4198682" cy="2531430"/>
           </a:xfrm>
           <a:prstGeom prst="rect">
@@ -12458,8 +12450,38 @@
         </p:blipFill>
         <p:spPr>
           <a:xfrm>
-            <a:off x="4810848" y="1514256"/>
+            <a:off x="4803262" y="824151"/>
             <a:ext cx="4191097" cy="2532121"/>
+          </a:xfrm>
+          <a:prstGeom prst="rect">
+            <a:avLst/>
+          </a:prstGeom>
+        </p:spPr>
+      </p:pic>
+      <p:pic>
+        <p:nvPicPr>
+          <p:cNvPr id="6" name="Picture 5">
+            <a:extLst>
+              <a:ext uri="{FF2B5EF4-FFF2-40B4-BE49-F238E27FC236}">
+                <a16:creationId xmlns:a16="http://schemas.microsoft.com/office/drawing/2014/main" id="{128C2D8F-1372-4EC2-9408-E002F21BE5D3}"/>
+              </a:ext>
+            </a:extLst>
+          </p:cNvPr>
+          <p:cNvPicPr>
+            <a:picLocks noChangeAspect="1"/>
+          </p:cNvPicPr>
+          <p:nvPr/>
+        </p:nvPicPr>
+        <p:blipFill>
+          <a:blip r:embed="rId6"/>
+          <a:stretch>
+            <a:fillRect/>
+          </a:stretch>
+        </p:blipFill>
+        <p:spPr>
+          <a:xfrm>
+            <a:off x="4803262" y="3363017"/>
+            <a:ext cx="4206267" cy="1743942"/>
           </a:xfrm>
           <a:prstGeom prst="rect">
             <a:avLst/>
@@ -12696,6 +12718,33 @@
                                   </p:childTnLst>
                                 </p:cTn>
                               </p:par>
+                              <p:par>
+                                <p:cTn id="23" presetID="1" presetClass="entr" presetSubtype="0" fill="hold" nodeType="withEffect">
+                                  <p:stCondLst>
+                                    <p:cond delay="0"/>
+                                  </p:stCondLst>
+                                  <p:childTnLst>
+                                    <p:set>
+                                      <p:cBhvr>
+                                        <p:cTn id="24" dur="1" fill="hold">
+                                          <p:stCondLst>
+                                            <p:cond delay="0"/>
+                                          </p:stCondLst>
+                                        </p:cTn>
+                                        <p:tgtEl>
+                                          <p:spTgt spid="6"/>
+                                        </p:tgtEl>
+                                        <p:attrNameLst>
+                                          <p:attrName>style.visibility</p:attrName>
+                                        </p:attrNameLst>
+                                      </p:cBhvr>
+                                      <p:to>
+                                        <p:strVal val="visible"/>
+                                      </p:to>
+                                    </p:set>
+                                  </p:childTnLst>
+                                </p:cTn>
+                              </p:par>
                             </p:childTnLst>
                           </p:cTn>
                         </p:par>
@@ -12795,7 +12844,7 @@
         <p:spPr>
           <a:xfrm>
             <a:off x="1109375" y="1622825"/>
-            <a:ext cx="6142800" cy="2123628"/>
+            <a:ext cx="6142800" cy="2554515"/>
           </a:xfrm>
           <a:prstGeom prst="rect">
             <a:avLst/>
@@ -12850,6 +12899,58 @@
             </a:endParaRPr>
           </a:p>
           <a:p>
+            <a:pPr marL="285750" indent="-285750">
+              <a:buClr>
+                <a:schemeClr val="bg1"/>
+              </a:buClr>
+              <a:buFont typeface="Arial" panose="020B0604020202020204" pitchFamily="34" charset="0"/>
+              <a:buChar char="•"/>
+            </a:pPr>
+            <a:r>
+              <a:rPr lang="en-GB" dirty="0">
+                <a:solidFill>
+                  <a:schemeClr val="lt1"/>
+                </a:solidFill>
+                <a:latin typeface="Lato"/>
+                <a:ea typeface="Lato"/>
+                <a:cs typeface="Lato"/>
+                <a:sym typeface="Lato"/>
+              </a:rPr>
+              <a:t>Since tools are using different approach and they are not all on same level of complexity there is difference in results </a:t>
+            </a:r>
+            <a:endParaRPr lang="en" dirty="0">
+              <a:solidFill>
+                <a:schemeClr val="lt1"/>
+              </a:solidFill>
+              <a:latin typeface="Lato"/>
+              <a:ea typeface="Lato"/>
+              <a:cs typeface="Lato"/>
+              <a:sym typeface="Lato"/>
+            </a:endParaRPr>
+          </a:p>
+          <a:p>
+            <a:pPr lvl="0" algn="l" rtl="0">
+              <a:spcBef>
+                <a:spcPts val="0"/>
+              </a:spcBef>
+              <a:spcAft>
+                <a:spcPts val="0"/>
+              </a:spcAft>
+              <a:buClr>
+                <a:schemeClr val="bg1"/>
+              </a:buClr>
+            </a:pPr>
+            <a:endParaRPr lang="en" dirty="0">
+              <a:solidFill>
+                <a:schemeClr val="lt1"/>
+              </a:solidFill>
+              <a:latin typeface="Lato"/>
+              <a:ea typeface="Lato"/>
+              <a:cs typeface="Lato"/>
+              <a:sym typeface="Lato"/>
+            </a:endParaRPr>
+          </a:p>
+          <a:p>
             <a:pPr marL="285750" lvl="0" indent="-285750" algn="l" rtl="0">
               <a:spcBef>
                 <a:spcPts val="0"/>
@@ -12873,52 +12974,7 @@
                 <a:cs typeface="Lato"/>
                 <a:sym typeface="Lato"/>
               </a:rPr>
-              <a:t>We are getting expected results when we are comparing only VCF records.</a:t>
-            </a:r>
-          </a:p>
-          <a:p>
-            <a:pPr marL="285750" indent="-285750">
-              <a:buClr>
-                <a:schemeClr val="bg1"/>
-              </a:buClr>
-              <a:buFont typeface="Arial" panose="020B0604020202020204" pitchFamily="34" charset="0"/>
-              <a:buChar char="•"/>
-            </a:pPr>
-            <a:r>
-              <a:rPr lang="en" dirty="0">
-                <a:solidFill>
-                  <a:schemeClr val="lt1"/>
-                </a:solidFill>
-                <a:latin typeface="Lato"/>
-                <a:ea typeface="Lato"/>
-                <a:cs typeface="Lato"/>
-                <a:sym typeface="Lato"/>
-              </a:rPr>
-              <a:t>Most tools use better </a:t>
-            </a:r>
-            <a:r>
-              <a:rPr lang="en-US" dirty="0">
-                <a:solidFill>
-                  <a:schemeClr val="lt1"/>
-                </a:solidFill>
-                <a:latin typeface="Lato"/>
-                <a:ea typeface="Lato"/>
-                <a:cs typeface="Lato"/>
-                <a:sym typeface="Lato"/>
-              </a:rPr>
-              <a:t>approach,</a:t>
-            </a:r>
-            <a:r>
-              <a:rPr lang="en" dirty="0">
-                <a:solidFill>
-                  <a:schemeClr val="lt1"/>
-                </a:solidFill>
-                <a:latin typeface="Lato"/>
-                <a:ea typeface="Lato"/>
-                <a:cs typeface="Lato"/>
-                <a:sym typeface="Lato"/>
-              </a:rPr>
-              <a:t> so results are different.</a:t>
+              <a:t>We are getting expected results when we are comparing only VCF records, however more complex tools are getting higher percision </a:t>
             </a:r>
           </a:p>
           <a:p>

--- a/VCF comparasion.pptx
+++ b/VCF comparasion.pptx
@@ -15,11 +15,11 @@
     <p:sldId id="269" r:id="rId6"/>
     <p:sldId id="270" r:id="rId7"/>
     <p:sldId id="261" r:id="rId8"/>
-    <p:sldId id="262" r:id="rId9"/>
-    <p:sldId id="263" r:id="rId10"/>
-    <p:sldId id="264" r:id="rId11"/>
-    <p:sldId id="265" r:id="rId12"/>
-    <p:sldId id="267" r:id="rId13"/>
+    <p:sldId id="263" r:id="rId9"/>
+    <p:sldId id="264" r:id="rId10"/>
+    <p:sldId id="272" r:id="rId11"/>
+    <p:sldId id="274" r:id="rId12"/>
+    <p:sldId id="273" r:id="rId13"/>
     <p:sldId id="268" r:id="rId14"/>
   </p:sldIdLst>
   <p:sldSz cx="9144000" cy="5143500" type="screen16x9"/>
@@ -837,11 +837,11 @@
 </file>
 
 <file path=ppt/notesSlides/notesSlide10.xml><?xml version="1.0" encoding="utf-8"?>
-<p:notes xmlns:a="http://schemas.openxmlformats.org/drawingml/2006/main" xmlns:r="http://schemas.openxmlformats.org/officeDocument/2006/relationships" xmlns:p="http://schemas.openxmlformats.org/presentationml/2006/main" showMasterSp="0" showMasterPhAnim="0">
+<p:notes xmlns:a="http://schemas.openxmlformats.org/drawingml/2006/main" xmlns:r="http://schemas.openxmlformats.org/officeDocument/2006/relationships" xmlns:p="http://schemas.openxmlformats.org/presentationml/2006/main">
   <p:cSld>
     <p:spTree>
       <p:nvGrpSpPr>
-        <p:cNvPr id="1" name="Shape 195"/>
+        <p:cNvPr id="1" name=""/>
         <p:cNvGrpSpPr/>
         <p:nvPr/>
       </p:nvGrpSpPr>
@@ -855,12 +855,12 @@
       </p:grpSpPr>
       <p:sp>
         <p:nvSpPr>
-          <p:cNvPr id="196" name="Google Shape;196;gd3bab397c4_0_0:notes"/>
+          <p:cNvPr id="2" name="Slide Image Placeholder 1"/>
           <p:cNvSpPr>
             <a:spLocks noGrp="1" noRot="1" noChangeAspect="1"/>
           </p:cNvSpPr>
           <p:nvPr>
-            <p:ph type="sldImg" idx="2"/>
+            <p:ph type="sldImg"/>
           </p:nvPr>
         </p:nvSpPr>
         <p:spPr>
@@ -868,90 +868,152 @@
             <a:off x="381000" y="685800"/>
             <a:ext cx="6096000" cy="3429000"/>
           </a:xfrm>
-          <a:custGeom>
-            <a:avLst/>
-            <a:gdLst/>
-            <a:ahLst/>
-            <a:cxnLst/>
-            <a:rect l="l" t="t" r="r" b="b"/>
-            <a:pathLst>
-              <a:path w="120000" h="120000" extrusionOk="0">
-                <a:moveTo>
-                  <a:pt x="0" y="0"/>
-                </a:moveTo>
-                <a:lnTo>
-                  <a:pt x="120000" y="0"/>
-                </a:lnTo>
-                <a:lnTo>
-                  <a:pt x="120000" y="120000"/>
-                </a:lnTo>
-                <a:lnTo>
-                  <a:pt x="0" y="120000"/>
-                </a:lnTo>
-                <a:close/>
-              </a:path>
-            </a:pathLst>
-          </a:custGeom>
         </p:spPr>
       </p:sp>
       <p:sp>
         <p:nvSpPr>
-          <p:cNvPr id="197" name="Google Shape;197;gd3bab397c4_0_0:notes"/>
-          <p:cNvSpPr txBox="1">
+          <p:cNvPr id="3" name="Notes Placeholder 2"/>
+          <p:cNvSpPr>
             <a:spLocks noGrp="1"/>
           </p:cNvSpPr>
           <p:nvPr>
             <p:ph type="body" idx="1"/>
           </p:nvPr>
         </p:nvSpPr>
-        <p:spPr>
-          <a:xfrm>
-            <a:off x="685800" y="4343400"/>
-            <a:ext cx="5486400" cy="4114800"/>
-          </a:xfrm>
-          <a:prstGeom prst="rect">
-            <a:avLst/>
-          </a:prstGeom>
-        </p:spPr>
+        <p:spPr/>
         <p:txBody>
-          <a:bodyPr spcFirstLastPara="1" wrap="square" lIns="91425" tIns="91425" rIns="91425" bIns="91425" anchor="t" anchorCtr="0">
-            <a:noAutofit/>
-          </a:bodyPr>
+          <a:bodyPr/>
           <a:lstStyle/>
           <a:p>
-            <a:pPr marL="0" lvl="0" indent="0" algn="l" rtl="0">
-              <a:spcBef>
-                <a:spcPts val="0"/>
-              </a:spcBef>
-              <a:spcAft>
-                <a:spcPts val="0"/>
-              </a:spcAft>
-              <a:buNone/>
+            <a:pPr marL="171450" lvl="0" indent="-171450" algn="l" rtl="0">
+              <a:spcBef>
+                <a:spcPts val="0"/>
+              </a:spcBef>
+              <a:spcAft>
+                <a:spcPts val="0"/>
+              </a:spcAft>
             </a:pPr>
             <a:r>
               <a:rPr lang="en-GB" dirty="0"/>
-              <a:t>Here we can see graph representation of results we calculated in previous steps. From here we can see that we have significant number on False positives comparing to true positives and quite small number of false negatives. These results are as expected, since VCF file we used for test set is much larger then one used as truth set. Since we are having high number of False Positives compared to True Positives that’s affecting </a:t>
-            </a:r>
-            <a:r>
-              <a:rPr lang="en-GB" dirty="0" err="1"/>
-              <a:t>Percision</a:t>
-            </a:r>
-            <a:r>
-              <a:rPr lang="en-GB" dirty="0"/>
-              <a:t>, recall and F1_Score metrics which you can see on right side</a:t>
-            </a:r>
-            <a:r>
-              <a:rPr lang="en-GB"/>
-              <a:t>. Due </a:t>
-            </a:r>
-            <a:r>
-              <a:rPr lang="en-GB" dirty="0"/>
-              <a:t>to complexity of human genome, performance can vary across variant types and genomic regions. </a:t>
-            </a:r>
+              <a:t> Due to complexity of human genome, performance can vary across variant types and genomic regions. </a:t>
+            </a:r>
+          </a:p>
+          <a:p>
+            <a:pPr marL="628650" lvl="1" indent="-171450" algn="l" rtl="0">
+              <a:spcBef>
+                <a:spcPts val="0"/>
+              </a:spcBef>
+              <a:spcAft>
+                <a:spcPts val="0"/>
+              </a:spcAft>
+            </a:pPr>
+            <a:r>
+              <a:rPr lang="en-US" b="0" i="0" dirty="0">
+                <a:solidFill>
+                  <a:srgbClr val="000000"/>
+                </a:solidFill>
+                <a:effectLst/>
+                <a:latin typeface="Times New Roman" panose="02020603050405020304" pitchFamily="18" charset="0"/>
+              </a:rPr>
+              <a:t> First, benchmarking must consider that variants may be represented in multiple ways in the commonly used variant call format</a:t>
+            </a:r>
+            <a:r>
+              <a:rPr lang="en-GB" b="0" i="0" dirty="0">
+                <a:solidFill>
+                  <a:srgbClr val="000000"/>
+                </a:solidFill>
+                <a:effectLst/>
+                <a:latin typeface="Times New Roman" panose="02020603050405020304" pitchFamily="18" charset="0"/>
+              </a:rPr>
+              <a:t> (VCF)</a:t>
+            </a:r>
+            <a:r>
+              <a:rPr lang="en-US" b="0" i="0" dirty="0">
+                <a:solidFill>
+                  <a:srgbClr val="000000"/>
+                </a:solidFill>
+                <a:effectLst/>
+                <a:latin typeface="Times New Roman" panose="02020603050405020304" pitchFamily="18" charset="0"/>
+              </a:rPr>
+              <a:t> When comparing VCF files record by record, many of the putative differences are simply different representations of the same variant. </a:t>
+            </a:r>
+          </a:p>
+          <a:p>
+            <a:pPr marL="628650" lvl="1" indent="-171450" algn="l" rtl="0">
+              <a:spcBef>
+                <a:spcPts val="0"/>
+              </a:spcBef>
+              <a:spcAft>
+                <a:spcPts val="0"/>
+              </a:spcAft>
+            </a:pPr>
+            <a:r>
+              <a:rPr lang="en-US" b="0" i="0" dirty="0">
+                <a:solidFill>
+                  <a:srgbClr val="000000"/>
+                </a:solidFill>
+                <a:effectLst/>
+                <a:latin typeface="Times New Roman" panose="02020603050405020304" pitchFamily="18" charset="0"/>
+              </a:rPr>
+              <a:t>Secondly, definitions for performance metrics such as true positive (TP), false positive (FP), and false negative (FN), which are key for the interpretation of the benchmarking results, are not yet standardized. </a:t>
+            </a:r>
+          </a:p>
+          <a:p>
+            <a:pPr marL="628650" lvl="1" indent="-171450" algn="l" rtl="0">
+              <a:spcBef>
+                <a:spcPts val="0"/>
+              </a:spcBef>
+              <a:spcAft>
+                <a:spcPts val="0"/>
+              </a:spcAft>
+            </a:pPr>
+            <a:r>
+              <a:rPr lang="en-US" b="0" i="0" dirty="0">
+                <a:solidFill>
+                  <a:srgbClr val="000000"/>
+                </a:solidFill>
+                <a:effectLst/>
+                <a:latin typeface="Times New Roman" panose="02020603050405020304" pitchFamily="18" charset="0"/>
+              </a:rPr>
+              <a:t>Lastly, due to the complexity of the human genome, performance can vary across variant types and genomic regions, which inevitably increases the number of benchmarking statistics to report.</a:t>
+            </a:r>
+          </a:p>
+          <a:p>
+            <a:pPr marL="171450" marR="0" lvl="0" indent="-171450" algn="l" defTabSz="914400" rtl="0" eaLnBrk="1" fontAlgn="auto" latinLnBrk="0" hangingPunct="1">
+              <a:lnSpc>
+                <a:spcPct val="100000"/>
+              </a:lnSpc>
+              <a:spcBef>
+                <a:spcPts val="0"/>
+              </a:spcBef>
+              <a:spcAft>
+                <a:spcPts val="0"/>
+              </a:spcAft>
+              <a:buClr>
+                <a:srgbClr val="000000"/>
+              </a:buClr>
+              <a:buSzPts val="1400"/>
+              <a:buFont typeface="Arial"/>
+              <a:buChar char="●"/>
+              <a:tabLst/>
+              <a:defRPr/>
+            </a:pPr>
+            <a:r>
+              <a:rPr lang="en-US" dirty="0"/>
+              <a:t>We will now compare our results with results generated by analysis using few tools which are available online . </a:t>
+            </a:r>
+          </a:p>
+          <a:p>
+            <a:endParaRPr lang="en-US" dirty="0"/>
           </a:p>
         </p:txBody>
       </p:sp>
     </p:spTree>
+    <p:extLst>
+      <p:ext uri="{BB962C8B-B14F-4D97-AF65-F5344CB8AC3E}">
+        <p14:creationId xmlns:p14="http://schemas.microsoft.com/office/powerpoint/2010/main" val="256229889"/>
+      </p:ext>
+    </p:extLst>
   </p:cSld>
   <p:clrMapOvr>
     <a:masterClrMapping/>
@@ -1053,7 +1115,7 @@
             </a:pPr>
             <a:r>
               <a:rPr lang="en-GB" dirty="0"/>
-              <a:t>We also used few different tools to calculate these true positives, false positives and other metrics which are available on CGC – </a:t>
+              <a:t>As we mentioned we used few different tools which were available on CGC – </a:t>
             </a:r>
             <a:r>
               <a:rPr lang="en-GB" dirty="0" err="1"/>
@@ -1061,44 +1123,42 @@
             </a:r>
             <a:r>
               <a:rPr lang="en-GB" dirty="0"/>
-              <a:t> portal and which we found online. </a:t>
-            </a:r>
-          </a:p>
-          <a:p>
-            <a:pPr marL="0" lvl="0" indent="0" algn="l" rtl="0">
-              <a:spcBef>
-                <a:spcPts val="0"/>
-              </a:spcBef>
-              <a:spcAft>
-                <a:spcPts val="0"/>
-              </a:spcAft>
-              <a:buNone/>
-            </a:pPr>
-            <a:r>
+              <a:t> portal as well as which we found online. </a:t>
+            </a:r>
+            <a:br>
               <a:rPr lang="en-GB" dirty="0"/>
-              <a:t>Here you can see results we were getting from running Picard Genotype Concordance as well as Concordance – GATK tools. </a:t>
-            </a:r>
-          </a:p>
-          <a:p>
-            <a:pPr marL="0" lvl="0" indent="0" algn="l" rtl="0">
-              <a:spcBef>
-                <a:spcPts val="0"/>
-              </a:spcBef>
-              <a:spcAft>
-                <a:spcPts val="0"/>
-              </a:spcAft>
-              <a:buNone/>
-            </a:pPr>
-            <a:r>
-              <a:rPr lang="en-US" dirty="0"/>
-              <a:t>Tools which are based only on VCF records have pretty the same results as we have by using our algorithm. You can see this on the graph shown on right side. </a:t>
+            </a:br>
+            <a:r>
+              <a:rPr lang="en-GB" dirty="0"/>
+              <a:t>On this slide we can see results from comparing VCF files using those tools. </a:t>
             </a:r>
             <a:br>
-              <a:rPr lang="en-US" dirty="0"/>
+              <a:rPr lang="en-GB" dirty="0"/>
             </a:br>
             <a:r>
-              <a:rPr lang="en-US" dirty="0"/>
-              <a:t>However, tools which are using more complicated ways to determinate haplotypes and mutations have different results, but they are again similar between them. You can clearly see this on upper graph which is now on the screen.  Also we can conclude that those tools are having much higher precision then our custom code and tools based on VCF records comparison as we can see on lower graph. </a:t>
+              <a:rPr lang="en-GB" dirty="0"/>
+              <a:t>As we can see on slide some of tools which are based only on VCF records have similar results as our code. (Concordance – GATK and SOM.PY)</a:t>
+            </a:r>
+            <a:br>
+              <a:rPr lang="en-GB" dirty="0"/>
+            </a:br>
+            <a:r>
+              <a:rPr lang="en-GB" dirty="0"/>
+              <a:t>However other tools like Picard, HAP.PY or RTG which are more advanced and contain some additional operations in order to standardize representation or use different approach when assigning what is TP,FP,FN are having different results. </a:t>
+            </a:r>
+            <a:br>
+              <a:rPr lang="en-GB" dirty="0"/>
+            </a:br>
+            <a:r>
+              <a:rPr lang="en-GB" dirty="0"/>
+              <a:t>On first graph we can see that number of True Positives are similar for all tools/algorithms we used. Difference is in False Positives. Reason for this is as we mentioned different way in how these tools/algorithms are working. </a:t>
+            </a:r>
+            <a:br>
+              <a:rPr lang="en-GB" dirty="0"/>
+            </a:br>
+            <a:r>
+              <a:rPr lang="en-GB" dirty="0"/>
+              <a:t>If we take a look at metrics of tools like Picard or RTG we can see that they have much higher precision due to additional level of complexity they have built in their process</a:t>
             </a:r>
             <a:endParaRPr dirty="0"/>
           </a:p>
@@ -1195,14 +1255,15 @@
           </a:bodyPr>
           <a:lstStyle/>
           <a:p>
-            <a:pPr marL="0" lvl="0" indent="0" algn="l" rtl="0">
-              <a:spcBef>
-                <a:spcPts val="0"/>
-              </a:spcBef>
-              <a:spcAft>
-                <a:spcPts val="0"/>
-              </a:spcAft>
-              <a:buNone/>
+            <a:pPr marL="171450" lvl="0" indent="-171450" algn="l" rtl="0">
+              <a:spcBef>
+                <a:spcPts val="0"/>
+              </a:spcBef>
+              <a:spcAft>
+                <a:spcPts val="0"/>
+              </a:spcAft>
+              <a:buFontTx/>
+              <a:buChar char="-"/>
             </a:pPr>
             <a:endParaRPr dirty="0"/>
           </a:p>
@@ -2617,122 +2678,6 @@
   <p:cSld>
     <p:spTree>
       <p:nvGrpSpPr>
-        <p:cNvPr id="1" name="Shape 172"/>
-        <p:cNvGrpSpPr/>
-        <p:nvPr/>
-      </p:nvGrpSpPr>
-      <p:grpSpPr>
-        <a:xfrm>
-          <a:off x="0" y="0"/>
-          <a:ext cx="0" cy="0"/>
-          <a:chOff x="0" y="0"/>
-          <a:chExt cx="0" cy="0"/>
-        </a:xfrm>
-      </p:grpSpPr>
-      <p:sp>
-        <p:nvSpPr>
-          <p:cNvPr id="173" name="Google Shape;173;gc6f919934_0_20:notes"/>
-          <p:cNvSpPr>
-            <a:spLocks noGrp="1" noRot="1" noChangeAspect="1"/>
-          </p:cNvSpPr>
-          <p:nvPr>
-            <p:ph type="sldImg" idx="2"/>
-          </p:nvPr>
-        </p:nvSpPr>
-        <p:spPr>
-          <a:xfrm>
-            <a:off x="381000" y="685800"/>
-            <a:ext cx="6096000" cy="3429000"/>
-          </a:xfrm>
-          <a:custGeom>
-            <a:avLst/>
-            <a:gdLst/>
-            <a:ahLst/>
-            <a:cxnLst/>
-            <a:rect l="l" t="t" r="r" b="b"/>
-            <a:pathLst>
-              <a:path w="120000" h="120000" extrusionOk="0">
-                <a:moveTo>
-                  <a:pt x="0" y="0"/>
-                </a:moveTo>
-                <a:lnTo>
-                  <a:pt x="120000" y="0"/>
-                </a:lnTo>
-                <a:lnTo>
-                  <a:pt x="120000" y="120000"/>
-                </a:lnTo>
-                <a:lnTo>
-                  <a:pt x="0" y="120000"/>
-                </a:lnTo>
-                <a:close/>
-              </a:path>
-            </a:pathLst>
-          </a:custGeom>
-        </p:spPr>
-      </p:sp>
-      <p:sp>
-        <p:nvSpPr>
-          <p:cNvPr id="174" name="Google Shape;174;gc6f919934_0_20:notes"/>
-          <p:cNvSpPr txBox="1">
-            <a:spLocks noGrp="1"/>
-          </p:cNvSpPr>
-          <p:nvPr>
-            <p:ph type="body" idx="1"/>
-          </p:nvPr>
-        </p:nvSpPr>
-        <p:spPr>
-          <a:xfrm>
-            <a:off x="685800" y="4343400"/>
-            <a:ext cx="5486400" cy="4114800"/>
-          </a:xfrm>
-          <a:prstGeom prst="rect">
-            <a:avLst/>
-          </a:prstGeom>
-        </p:spPr>
-        <p:txBody>
-          <a:bodyPr spcFirstLastPara="1" wrap="square" lIns="91425" tIns="91425" rIns="91425" bIns="91425" anchor="t" anchorCtr="0">
-            <a:noAutofit/>
-          </a:bodyPr>
-          <a:lstStyle/>
-          <a:p>
-            <a:pPr marL="0" lvl="0" indent="0" algn="l" rtl="0">
-              <a:spcBef>
-                <a:spcPts val="0"/>
-              </a:spcBef>
-              <a:spcAft>
-                <a:spcPts val="0"/>
-              </a:spcAft>
-              <a:buNone/>
-            </a:pPr>
-            <a:r>
-              <a:rPr lang="en-US" dirty="0"/>
-              <a:t>At first glance we can see that var.vcf, file generated by </a:t>
-            </a:r>
-            <a:r>
-              <a:rPr lang="en-US" dirty="0" err="1"/>
-              <a:t>freebayes</a:t>
-            </a:r>
-            <a:r>
-              <a:rPr lang="en-US" dirty="0"/>
-              <a:t> tool which is test set is much larger than file generated by GTAK which is truth set, so it is expected to have much false positives.</a:t>
-            </a:r>
-            <a:endParaRPr dirty="0"/>
-          </a:p>
-        </p:txBody>
-      </p:sp>
-    </p:spTree>
-  </p:cSld>
-  <p:clrMapOvr>
-    <a:masterClrMapping/>
-  </p:clrMapOvr>
-</p:notes>
-</file>
-
-<file path=ppt/notesSlides/notesSlide9.xml><?xml version="1.0" encoding="utf-8"?>
-<p:notes xmlns:a="http://schemas.openxmlformats.org/drawingml/2006/main" xmlns:r="http://schemas.openxmlformats.org/officeDocument/2006/relationships" xmlns:p="http://schemas.openxmlformats.org/presentationml/2006/main" showMasterSp="0" showMasterPhAnim="0">
-  <p:cSld>
-    <p:spTree>
-      <p:nvGrpSpPr>
         <p:cNvPr id="1" name="Shape 183"/>
         <p:cNvGrpSpPr/>
         <p:nvPr/>
@@ -2916,6 +2861,113 @@
               <a:t>Results which we get are as  we expected. Now by using previous formulars we can calculate metrics.</a:t>
             </a:r>
             <a:endParaRPr dirty="0"/>
+          </a:p>
+        </p:txBody>
+      </p:sp>
+    </p:spTree>
+  </p:cSld>
+  <p:clrMapOvr>
+    <a:masterClrMapping/>
+  </p:clrMapOvr>
+</p:notes>
+</file>
+
+<file path=ppt/notesSlides/notesSlide9.xml><?xml version="1.0" encoding="utf-8"?>
+<p:notes xmlns:a="http://schemas.openxmlformats.org/drawingml/2006/main" xmlns:r="http://schemas.openxmlformats.org/officeDocument/2006/relationships" xmlns:p="http://schemas.openxmlformats.org/presentationml/2006/main" showMasterSp="0" showMasterPhAnim="0">
+  <p:cSld>
+    <p:spTree>
+      <p:nvGrpSpPr>
+        <p:cNvPr id="1" name="Shape 195"/>
+        <p:cNvGrpSpPr/>
+        <p:nvPr/>
+      </p:nvGrpSpPr>
+      <p:grpSpPr>
+        <a:xfrm>
+          <a:off x="0" y="0"/>
+          <a:ext cx="0" cy="0"/>
+          <a:chOff x="0" y="0"/>
+          <a:chExt cx="0" cy="0"/>
+        </a:xfrm>
+      </p:grpSpPr>
+      <p:sp>
+        <p:nvSpPr>
+          <p:cNvPr id="196" name="Google Shape;196;gd3bab397c4_0_0:notes"/>
+          <p:cNvSpPr>
+            <a:spLocks noGrp="1" noRot="1" noChangeAspect="1"/>
+          </p:cNvSpPr>
+          <p:nvPr>
+            <p:ph type="sldImg" idx="2"/>
+          </p:nvPr>
+        </p:nvSpPr>
+        <p:spPr>
+          <a:xfrm>
+            <a:off x="381000" y="685800"/>
+            <a:ext cx="6096000" cy="3429000"/>
+          </a:xfrm>
+          <a:custGeom>
+            <a:avLst/>
+            <a:gdLst/>
+            <a:ahLst/>
+            <a:cxnLst/>
+            <a:rect l="l" t="t" r="r" b="b"/>
+            <a:pathLst>
+              <a:path w="120000" h="120000" extrusionOk="0">
+                <a:moveTo>
+                  <a:pt x="0" y="0"/>
+                </a:moveTo>
+                <a:lnTo>
+                  <a:pt x="120000" y="0"/>
+                </a:lnTo>
+                <a:lnTo>
+                  <a:pt x="120000" y="120000"/>
+                </a:lnTo>
+                <a:lnTo>
+                  <a:pt x="0" y="120000"/>
+                </a:lnTo>
+                <a:close/>
+              </a:path>
+            </a:pathLst>
+          </a:custGeom>
+        </p:spPr>
+      </p:sp>
+      <p:sp>
+        <p:nvSpPr>
+          <p:cNvPr id="197" name="Google Shape;197;gd3bab397c4_0_0:notes"/>
+          <p:cNvSpPr txBox="1">
+            <a:spLocks noGrp="1"/>
+          </p:cNvSpPr>
+          <p:nvPr>
+            <p:ph type="body" idx="1"/>
+          </p:nvPr>
+        </p:nvSpPr>
+        <p:spPr>
+          <a:xfrm>
+            <a:off x="685800" y="4343400"/>
+            <a:ext cx="5486400" cy="4114800"/>
+          </a:xfrm>
+          <a:prstGeom prst="rect">
+            <a:avLst/>
+          </a:prstGeom>
+        </p:spPr>
+        <p:txBody>
+          <a:bodyPr spcFirstLastPara="1" wrap="square" lIns="91425" tIns="91425" rIns="91425" bIns="91425" anchor="t" anchorCtr="0">
+            <a:noAutofit/>
+          </a:bodyPr>
+          <a:lstStyle/>
+          <a:p>
+            <a:pPr marL="0" lvl="0" indent="0" algn="l" rtl="0">
+              <a:spcBef>
+                <a:spcPts val="0"/>
+              </a:spcBef>
+              <a:spcAft>
+                <a:spcPts val="0"/>
+              </a:spcAft>
+              <a:buNone/>
+            </a:pPr>
+            <a:r>
+              <a:rPr lang="en-GB" dirty="0"/>
+              <a:t>Here we can see graph representation of results we calculated in previous steps. From here we can see that we have significant number on False positives comparing to true positives and quite small number of false negatives. These results are due to the way how our algorithm is working. Since we are having high number of False Positives compared to True Positives that’s affecting Precision, recall and F1_Score metrics which you can see on right side. </a:t>
+            </a:r>
           </a:p>
         </p:txBody>
       </p:sp>
@@ -4943,7 +4995,7 @@
           <a:p>
             <a:fld id="{AFA66A53-14D6-4DAE-8F8A-1BF0C8C68815}" type="datetimeFigureOut">
               <a:rPr lang="en-US" smtClean="0"/>
-              <a:t>5/18/2021</a:t>
+              <a:t>5/23/2021</a:t>
             </a:fld>
             <a:endParaRPr lang="en-US"/>
           </a:p>
@@ -11361,7 +11413,7 @@
   <p:cSld>
     <p:spTree>
       <p:nvGrpSpPr>
-        <p:cNvPr id="1" name="Shape 198"/>
+        <p:cNvPr id="1" name=""/>
         <p:cNvGrpSpPr/>
         <p:nvPr/>
       </p:nvGrpSpPr>
@@ -11375,48 +11427,39 @@
       </p:grpSpPr>
       <p:sp>
         <p:nvSpPr>
-          <p:cNvPr id="199" name="Google Shape;199;p21"/>
-          <p:cNvSpPr txBox="1">
+          <p:cNvPr id="2" name="Title 1">
+            <a:extLst>
+              <a:ext uri="{FF2B5EF4-FFF2-40B4-BE49-F238E27FC236}">
+                <a16:creationId xmlns:a16="http://schemas.microsoft.com/office/drawing/2014/main" id="{59D46253-EFC8-4D6E-BA7C-6566109E9A92}"/>
+              </a:ext>
+            </a:extLst>
+          </p:cNvPr>
+          <p:cNvSpPr>
             <a:spLocks noGrp="1"/>
           </p:cNvSpPr>
           <p:nvPr>
             <p:ph type="title"/>
           </p:nvPr>
         </p:nvSpPr>
-        <p:spPr>
-          <a:prstGeom prst="rect">
-            <a:avLst/>
-          </a:prstGeom>
-        </p:spPr>
+        <p:spPr/>
         <p:txBody>
-          <a:bodyPr spcFirstLastPara="1" wrap="square" lIns="91425" tIns="91425" rIns="91425" bIns="91425" anchor="t" anchorCtr="0">
-            <a:normAutofit/>
-          </a:bodyPr>
+          <a:bodyPr/>
           <a:lstStyle/>
           <a:p>
-            <a:pPr marL="0" lvl="0" indent="0" algn="l" rtl="0">
-              <a:spcBef>
-                <a:spcPts val="0"/>
-              </a:spcBef>
-              <a:spcAft>
-                <a:spcPts val="0"/>
-              </a:spcAft>
-              <a:buNone/>
-            </a:pPr>
-            <a:r>
-              <a:rPr lang="en" sz="2150" dirty="0"/>
-              <a:t>Graphs</a:t>
-            </a:r>
-            <a:endParaRPr sz="2150" dirty="0"/>
+            <a:r>
+              <a:rPr lang="en-GB" dirty="0"/>
+              <a:t>Comparing VCF files</a:t>
+            </a:r>
+            <a:endParaRPr lang="en-US" dirty="0"/>
           </a:p>
         </p:txBody>
       </p:sp>
       <p:sp>
         <p:nvSpPr>
-          <p:cNvPr id="2" name="Text Placeholder 1">
+          <p:cNvPr id="3" name="Text Placeholder 2">
             <a:extLst>
               <a:ext uri="{FF2B5EF4-FFF2-40B4-BE49-F238E27FC236}">
-                <a16:creationId xmlns:a16="http://schemas.microsoft.com/office/drawing/2014/main" id="{EF895981-E494-40E5-8073-7F9C47E34D07}"/>
+                <a16:creationId xmlns:a16="http://schemas.microsoft.com/office/drawing/2014/main" id="{77ADEFA6-9996-4A9B-9A6C-BF374029962A}"/>
               </a:ext>
             </a:extLst>
           </p:cNvPr>
@@ -11427,86 +11470,51 @@
             <p:ph type="body" idx="1"/>
           </p:nvPr>
         </p:nvSpPr>
-        <p:spPr>
-          <a:xfrm>
-            <a:off x="1297500" y="986118"/>
-            <a:ext cx="7038900" cy="3492632"/>
-          </a:xfrm>
-        </p:spPr>
+        <p:spPr/>
         <p:txBody>
           <a:bodyPr/>
           <a:lstStyle/>
           <a:p>
             <a:r>
               <a:rPr lang="en-GB" dirty="0"/>
-              <a:t>As we expected False positives are much larger than true positives, because test set was larger than truth set </a:t>
-            </a:r>
-          </a:p>
-          <a:p>
-            <a:r>
-              <a:rPr lang="en-US" dirty="0"/>
-              <a:t>Due to the complexity of the human genome, performance can vary across variant types and genomic regions</a:t>
-            </a:r>
+              <a:t>Performance may vary across variant types and genomic regions due to complexity of human genome </a:t>
+            </a:r>
+          </a:p>
+          <a:p>
+            <a:r>
+              <a:rPr lang="en-GB" dirty="0"/>
+              <a:t>VCF files – some differences may be just different representations of the same variant </a:t>
+            </a:r>
+          </a:p>
+          <a:p>
+            <a:r>
+              <a:rPr lang="en-GB" dirty="0"/>
+              <a:t>Definitions for TP, FP, FN are not yet standardized </a:t>
+            </a:r>
+          </a:p>
+          <a:p>
+            <a:r>
+              <a:rPr lang="en-GB" dirty="0"/>
+              <a:t>We used few more tools or algorithms which are available on CGC – </a:t>
+            </a:r>
+            <a:r>
+              <a:rPr lang="en-GB" dirty="0" err="1"/>
+              <a:t>SBGenomics</a:t>
+            </a:r>
+            <a:r>
+              <a:rPr lang="en-GB" dirty="0"/>
+              <a:t> portal as well as which we found online. </a:t>
+            </a:r>
+            <a:endParaRPr lang="en-US" dirty="0"/>
           </a:p>
         </p:txBody>
       </p:sp>
-      <p:pic>
-        <p:nvPicPr>
-          <p:cNvPr id="200" name="Google Shape;200;p21"/>
-          <p:cNvPicPr preferRelativeResize="0"/>
-          <p:nvPr/>
-        </p:nvPicPr>
-        <p:blipFill>
-          <a:blip r:embed="rId3">
-            <a:alphaModFix/>
-          </a:blip>
-          <a:stretch>
-            <a:fillRect/>
-          </a:stretch>
-        </p:blipFill>
-        <p:spPr>
-          <a:xfrm>
-            <a:off x="780837" y="2569532"/>
-            <a:ext cx="3580334" cy="2319017"/>
-          </a:xfrm>
-          <a:prstGeom prst="rect">
-            <a:avLst/>
-          </a:prstGeom>
-          <a:noFill/>
-          <a:ln>
-            <a:noFill/>
-          </a:ln>
-        </p:spPr>
-      </p:pic>
-      <p:pic>
-        <p:nvPicPr>
-          <p:cNvPr id="201" name="Google Shape;201;p21"/>
-          <p:cNvPicPr preferRelativeResize="0"/>
-          <p:nvPr/>
-        </p:nvPicPr>
-        <p:blipFill>
-          <a:blip r:embed="rId4">
-            <a:alphaModFix/>
-          </a:blip>
-          <a:stretch>
-            <a:fillRect/>
-          </a:stretch>
-        </p:blipFill>
-        <p:spPr>
-          <a:xfrm>
-            <a:off x="4943372" y="2587472"/>
-            <a:ext cx="3594347" cy="2319017"/>
-          </a:xfrm>
-          <a:prstGeom prst="rect">
-            <a:avLst/>
-          </a:prstGeom>
-          <a:noFill/>
-          <a:ln>
-            <a:noFill/>
-          </a:ln>
-        </p:spPr>
-      </p:pic>
     </p:spTree>
+    <p:extLst>
+      <p:ext uri="{BB962C8B-B14F-4D97-AF65-F5344CB8AC3E}">
+        <p14:creationId xmlns:p14="http://schemas.microsoft.com/office/powerpoint/2010/main" val="4166055741"/>
+      </p:ext>
+    </p:extLst>
   </p:cSld>
   <p:clrMapOvr>
     <a:masterClrMapping/>
@@ -11531,6 +11539,36 @@
           <a:chExt cx="0" cy="0"/>
         </a:xfrm>
       </p:grpSpPr>
+      <p:pic>
+        <p:nvPicPr>
+          <p:cNvPr id="2" name="Picture 1">
+            <a:extLst>
+              <a:ext uri="{FF2B5EF4-FFF2-40B4-BE49-F238E27FC236}">
+                <a16:creationId xmlns:a16="http://schemas.microsoft.com/office/drawing/2014/main" id="{16D6BC2A-DF85-4F89-AE0D-CF662FB62613}"/>
+              </a:ext>
+            </a:extLst>
+          </p:cNvPr>
+          <p:cNvPicPr>
+            <a:picLocks noChangeAspect="1"/>
+          </p:cNvPicPr>
+          <p:nvPr/>
+        </p:nvPicPr>
+        <p:blipFill>
+          <a:blip r:embed="rId3"/>
+          <a:stretch>
+            <a:fillRect/>
+          </a:stretch>
+        </p:blipFill>
+        <p:spPr>
+          <a:xfrm>
+            <a:off x="4787842" y="778940"/>
+            <a:ext cx="4203433" cy="2532121"/>
+          </a:xfrm>
+          <a:prstGeom prst="rect">
+            <a:avLst/>
+          </a:prstGeom>
+        </p:spPr>
+      </p:pic>
       <p:sp>
         <p:nvSpPr>
           <p:cNvPr id="206" name="Google Shape;206;p22"/>
@@ -11626,7 +11664,7 @@
                 <a:uFill>
                   <a:noFill/>
                 </a:uFill>
-                <a:hlinkClick r:id="rId3">
+                <a:hlinkClick r:id="rId4">
                   <a:extLst>
                     <a:ext uri="{A12FA001-AC4F-418D-AE19-62706E023703}">
                       <ahyp:hlinkClr xmlns:ahyp="http://schemas.microsoft.com/office/drawing/2018/hyperlinkcolor" val="tx"/>
@@ -12400,36 +12438,6 @@
       </p:sp>
       <p:pic>
         <p:nvPicPr>
-          <p:cNvPr id="3" name="Picture 2" descr="Chart, bar chart&#10;&#10;Description automatically generated">
-            <a:extLst>
-              <a:ext uri="{FF2B5EF4-FFF2-40B4-BE49-F238E27FC236}">
-                <a16:creationId xmlns:a16="http://schemas.microsoft.com/office/drawing/2014/main" id="{4D9256FC-C4F1-41CC-9DC6-FC7992CD657B}"/>
-              </a:ext>
-            </a:extLst>
-          </p:cNvPr>
-          <p:cNvPicPr>
-            <a:picLocks noChangeAspect="1"/>
-          </p:cNvPicPr>
-          <p:nvPr/>
-        </p:nvPicPr>
-        <p:blipFill>
-          <a:blip r:embed="rId4"/>
-          <a:stretch>
-            <a:fillRect/>
-          </a:stretch>
-        </p:blipFill>
-        <p:spPr>
-          <a:xfrm>
-            <a:off x="4810848" y="817384"/>
-            <a:ext cx="4198682" cy="2531430"/>
-          </a:xfrm>
-          <a:prstGeom prst="rect">
-            <a:avLst/>
-          </a:prstGeom>
-        </p:spPr>
-      </p:pic>
-      <p:pic>
-        <p:nvPicPr>
           <p:cNvPr id="5" name="Picture 4" descr="Chart, bar chart&#10;&#10;Description automatically generated">
             <a:extLst>
               <a:ext uri="{FF2B5EF4-FFF2-40B4-BE49-F238E27FC236}">
@@ -12450,7 +12458,7 @@
         </p:blipFill>
         <p:spPr>
           <a:xfrm>
-            <a:off x="4803262" y="824151"/>
+            <a:off x="4800502" y="778940"/>
             <a:ext cx="4191097" cy="2532121"/>
           </a:xfrm>
           <a:prstGeom prst="rect">
@@ -12460,10 +12468,10 @@
       </p:pic>
       <p:pic>
         <p:nvPicPr>
-          <p:cNvPr id="6" name="Picture 5">
+          <p:cNvPr id="4" name="Picture 3">
             <a:extLst>
               <a:ext uri="{FF2B5EF4-FFF2-40B4-BE49-F238E27FC236}">
-                <a16:creationId xmlns:a16="http://schemas.microsoft.com/office/drawing/2014/main" id="{128C2D8F-1372-4EC2-9408-E002F21BE5D3}"/>
+                <a16:creationId xmlns:a16="http://schemas.microsoft.com/office/drawing/2014/main" id="{95847F57-21F9-41BE-A193-52BB246A3805}"/>
               </a:ext>
             </a:extLst>
           </p:cNvPr>
@@ -12480,8 +12488,8 @@
         </p:blipFill>
         <p:spPr>
           <a:xfrm>
-            <a:off x="4803262" y="3363017"/>
-            <a:ext cx="4206267" cy="1743942"/>
+            <a:off x="4800178" y="3306453"/>
+            <a:ext cx="4191097" cy="1778214"/>
           </a:xfrm>
           <a:prstGeom prst="rect">
             <a:avLst/>
@@ -12647,7 +12655,7 @@
                             </p:stCondLst>
                             <p:childTnLst>
                               <p:par>
-                                <p:cTn id="17" presetID="1" presetClass="exit" presetSubtype="0" fill="hold" nodeType="clickEffect">
+                                <p:cTn id="17" presetID="1" presetClass="entr" presetSubtype="0" fill="hold" nodeType="clickEffect">
                                   <p:stCondLst>
                                     <p:cond delay="0"/>
                                   </p:stCondLst>
@@ -12655,6 +12663,33 @@
                                     <p:set>
                                       <p:cBhvr>
                                         <p:cTn id="18" dur="1" fill="hold">
+                                          <p:stCondLst>
+                                            <p:cond delay="0"/>
+                                          </p:stCondLst>
+                                        </p:cTn>
+                                        <p:tgtEl>
+                                          <p:spTgt spid="2"/>
+                                        </p:tgtEl>
+                                        <p:attrNameLst>
+                                          <p:attrName>style.visibility</p:attrName>
+                                        </p:attrNameLst>
+                                      </p:cBhvr>
+                                      <p:to>
+                                        <p:strVal val="visible"/>
+                                      </p:to>
+                                    </p:set>
+                                  </p:childTnLst>
+                                </p:cTn>
+                              </p:par>
+                              <p:par>
+                                <p:cTn id="19" presetID="1" presetClass="exit" presetSubtype="0" fill="hold" nodeType="withEffect">
+                                  <p:stCondLst>
+                                    <p:cond delay="0"/>
+                                  </p:stCondLst>
+                                  <p:childTnLst>
+                                    <p:set>
+                                      <p:cBhvr>
+                                        <p:cTn id="20" dur="1" fill="hold">
                                           <p:stCondLst>
                                             <p:cond delay="0"/>
                                           </p:stCondLst>
@@ -12673,26 +12708,8 @@
                                   </p:childTnLst>
                                 </p:cTn>
                               </p:par>
-                            </p:childTnLst>
-                          </p:cTn>
-                        </p:par>
-                      </p:childTnLst>
-                    </p:cTn>
-                  </p:par>
-                  <p:par>
-                    <p:cTn id="19" fill="hold">
-                      <p:stCondLst>
-                        <p:cond delay="indefinite"/>
-                      </p:stCondLst>
-                      <p:childTnLst>
-                        <p:par>
-                          <p:cTn id="20" fill="hold">
-                            <p:stCondLst>
-                              <p:cond delay="0"/>
-                            </p:stCondLst>
-                            <p:childTnLst>
                               <p:par>
-                                <p:cTn id="21" presetID="1" presetClass="entr" presetSubtype="0" fill="hold" nodeType="clickEffect">
+                                <p:cTn id="21" presetID="1" presetClass="entr" presetSubtype="0" fill="hold" nodeType="withEffect">
                                   <p:stCondLst>
                                     <p:cond delay="0"/>
                                   </p:stCondLst>
@@ -12705,34 +12722,7 @@
                                           </p:stCondLst>
                                         </p:cTn>
                                         <p:tgtEl>
-                                          <p:spTgt spid="3"/>
-                                        </p:tgtEl>
-                                        <p:attrNameLst>
-                                          <p:attrName>style.visibility</p:attrName>
-                                        </p:attrNameLst>
-                                      </p:cBhvr>
-                                      <p:to>
-                                        <p:strVal val="visible"/>
-                                      </p:to>
-                                    </p:set>
-                                  </p:childTnLst>
-                                </p:cTn>
-                              </p:par>
-                              <p:par>
-                                <p:cTn id="23" presetID="1" presetClass="entr" presetSubtype="0" fill="hold" nodeType="withEffect">
-                                  <p:stCondLst>
-                                    <p:cond delay="0"/>
-                                  </p:stCondLst>
-                                  <p:childTnLst>
-                                    <p:set>
-                                      <p:cBhvr>
-                                        <p:cTn id="24" dur="1" fill="hold">
-                                          <p:stCondLst>
-                                            <p:cond delay="0"/>
-                                          </p:stCondLst>
-                                        </p:cTn>
-                                        <p:tgtEl>
-                                          <p:spTgt spid="6"/>
+                                          <p:spTgt spid="4"/>
                                         </p:tgtEl>
                                         <p:attrNameLst>
                                           <p:attrName>style.visibility</p:attrName>
@@ -12844,7 +12834,7 @@
         <p:spPr>
           <a:xfrm>
             <a:off x="1109375" y="1622825"/>
-            <a:ext cx="6142800" cy="2554515"/>
+            <a:ext cx="6142800" cy="2985402"/>
           </a:xfrm>
           <a:prstGeom prst="rect">
             <a:avLst/>
@@ -12878,6 +12868,27 @@
                 <a:sym typeface="Lato"/>
               </a:rPr>
               <a:t>Evaluating variant calls requires complex matching algorithms and standardized counting, because the same variant may be represented differently in truth and test call sets. </a:t>
+            </a:r>
+          </a:p>
+          <a:p>
+            <a:pPr marL="285750" indent="-285750">
+              <a:buClr>
+                <a:schemeClr val="bg1"/>
+              </a:buClr>
+              <a:buFont typeface="Arial" panose="020B0604020202020204" pitchFamily="34" charset="0"/>
+              <a:buChar char="•"/>
+            </a:pPr>
+            <a:r>
+              <a:rPr lang="en-US" dirty="0">
+                <a:solidFill>
+                  <a:schemeClr val="lt1"/>
+                </a:solidFill>
+                <a:latin typeface="Lato"/>
+                <a:ea typeface="Lato"/>
+                <a:cs typeface="Lato"/>
+                <a:sym typeface="Lato"/>
+              </a:rPr>
+              <a:t>Sometimes in order to accurately compare VCF files we need to standardize indel representation (left-shifting and trimming the indel alleles), however these methods in other cases could cause errors and more sophisticated comparison methods are required </a:t>
             </a:r>
           </a:p>
           <a:p>
@@ -12949,33 +12960,6 @@
               <a:cs typeface="Lato"/>
               <a:sym typeface="Lato"/>
             </a:endParaRPr>
-          </a:p>
-          <a:p>
-            <a:pPr marL="285750" lvl="0" indent="-285750" algn="l" rtl="0">
-              <a:spcBef>
-                <a:spcPts val="0"/>
-              </a:spcBef>
-              <a:spcAft>
-                <a:spcPts val="0"/>
-              </a:spcAft>
-              <a:buClr>
-                <a:schemeClr val="bg1"/>
-              </a:buClr>
-              <a:buFont typeface="Arial" panose="020B0604020202020204" pitchFamily="34" charset="0"/>
-              <a:buChar char="•"/>
-            </a:pPr>
-            <a:r>
-              <a:rPr lang="en" dirty="0">
-                <a:solidFill>
-                  <a:schemeClr val="lt1"/>
-                </a:solidFill>
-                <a:latin typeface="Lato"/>
-                <a:ea typeface="Lato"/>
-                <a:cs typeface="Lato"/>
-                <a:sym typeface="Lato"/>
-              </a:rPr>
-              <a:t>We are getting expected results when we are comparing only VCF records, however more complex tools are getting higher percision </a:t>
-            </a:r>
           </a:p>
           <a:p>
             <a:pPr marL="285750" lvl="0" indent="-285750" algn="l" rtl="0">
@@ -14606,369 +14590,6 @@
 </file>
 
 <file path=ppt/slides/slide8.xml><?xml version="1.0" encoding="utf-8"?>
-<p:sld xmlns:a="http://schemas.openxmlformats.org/drawingml/2006/main" xmlns:r="http://schemas.openxmlformats.org/officeDocument/2006/relationships" xmlns:p="http://schemas.openxmlformats.org/presentationml/2006/main">
-  <p:cSld>
-    <p:spTree>
-      <p:nvGrpSpPr>
-        <p:cNvPr id="1" name="Shape 175"/>
-        <p:cNvGrpSpPr/>
-        <p:nvPr/>
-      </p:nvGrpSpPr>
-      <p:grpSpPr>
-        <a:xfrm>
-          <a:off x="0" y="0"/>
-          <a:ext cx="0" cy="0"/>
-          <a:chOff x="0" y="0"/>
-          <a:chExt cx="0" cy="0"/>
-        </a:xfrm>
-      </p:grpSpPr>
-      <p:sp>
-        <p:nvSpPr>
-          <p:cNvPr id="176" name="Google Shape;176;p19"/>
-          <p:cNvSpPr txBox="1">
-            <a:spLocks noGrp="1"/>
-          </p:cNvSpPr>
-          <p:nvPr>
-            <p:ph type="title"/>
-          </p:nvPr>
-        </p:nvSpPr>
-        <p:spPr>
-          <a:xfrm>
-            <a:off x="311300" y="200625"/>
-            <a:ext cx="4587000" cy="518700"/>
-          </a:xfrm>
-          <a:prstGeom prst="rect">
-            <a:avLst/>
-          </a:prstGeom>
-        </p:spPr>
-        <p:txBody>
-          <a:bodyPr spcFirstLastPara="1" wrap="square" lIns="91425" tIns="91425" rIns="91425" bIns="91425" anchor="ctr" anchorCtr="0">
-            <a:noAutofit/>
-          </a:bodyPr>
-          <a:lstStyle/>
-          <a:p>
-            <a:pPr marL="0" lvl="0" indent="0" algn="l" rtl="0">
-              <a:lnSpc>
-                <a:spcPct val="115000"/>
-              </a:lnSpc>
-              <a:spcBef>
-                <a:spcPts val="0"/>
-              </a:spcBef>
-              <a:spcAft>
-                <a:spcPts val="1200"/>
-              </a:spcAft>
-              <a:buNone/>
-            </a:pPr>
-            <a:r>
-              <a:rPr lang="en" sz="2150">
-                <a:latin typeface="Lato"/>
-                <a:ea typeface="Lato"/>
-                <a:cs typeface="Lato"/>
-                <a:sym typeface="Lato"/>
-              </a:rPr>
-              <a:t>Generated VCF files, discussion</a:t>
-            </a:r>
-            <a:endParaRPr sz="2150"/>
-          </a:p>
-        </p:txBody>
-      </p:sp>
-      <p:pic>
-        <p:nvPicPr>
-          <p:cNvPr id="177" name="Google Shape;177;p19"/>
-          <p:cNvPicPr preferRelativeResize="0"/>
-          <p:nvPr/>
-        </p:nvPicPr>
-        <p:blipFill>
-          <a:blip r:embed="rId3">
-            <a:alphaModFix/>
-          </a:blip>
-          <a:stretch>
-            <a:fillRect/>
-          </a:stretch>
-        </p:blipFill>
-        <p:spPr>
-          <a:xfrm>
-            <a:off x="401250" y="1564600"/>
-            <a:ext cx="2617175" cy="2373725"/>
-          </a:xfrm>
-          <a:prstGeom prst="rect">
-            <a:avLst/>
-          </a:prstGeom>
-          <a:noFill/>
-          <a:ln>
-            <a:noFill/>
-          </a:ln>
-        </p:spPr>
-      </p:pic>
-      <p:pic>
-        <p:nvPicPr>
-          <p:cNvPr id="178" name="Google Shape;178;p19"/>
-          <p:cNvPicPr preferRelativeResize="0"/>
-          <p:nvPr/>
-        </p:nvPicPr>
-        <p:blipFill>
-          <a:blip r:embed="rId4">
-            <a:alphaModFix/>
-          </a:blip>
-          <a:stretch>
-            <a:fillRect/>
-          </a:stretch>
-        </p:blipFill>
-        <p:spPr>
-          <a:xfrm>
-            <a:off x="4112475" y="2499825"/>
-            <a:ext cx="1244284" cy="1106025"/>
-          </a:xfrm>
-          <a:prstGeom prst="rect">
-            <a:avLst/>
-          </a:prstGeom>
-          <a:noFill/>
-          <a:ln>
-            <a:noFill/>
-          </a:ln>
-        </p:spPr>
-      </p:pic>
-      <p:sp>
-        <p:nvSpPr>
-          <p:cNvPr id="179" name="Google Shape;179;p19"/>
-          <p:cNvSpPr txBox="1"/>
-          <p:nvPr/>
-        </p:nvSpPr>
-        <p:spPr>
-          <a:xfrm>
-            <a:off x="338750" y="4343225"/>
-            <a:ext cx="4532100" cy="400200"/>
-          </a:xfrm>
-          <a:prstGeom prst="rect">
-            <a:avLst/>
-          </a:prstGeom>
-          <a:noFill/>
-          <a:ln>
-            <a:noFill/>
-          </a:ln>
-        </p:spPr>
-        <p:txBody>
-          <a:bodyPr spcFirstLastPara="1" wrap="square" lIns="91425" tIns="91425" rIns="91425" bIns="91425" anchor="t" anchorCtr="0">
-            <a:spAutoFit/>
-          </a:bodyPr>
-          <a:lstStyle/>
-          <a:p>
-            <a:pPr marL="0" lvl="0" indent="0" algn="l" rtl="0">
-              <a:spcBef>
-                <a:spcPts val="0"/>
-              </a:spcBef>
-              <a:spcAft>
-                <a:spcPts val="0"/>
-              </a:spcAft>
-              <a:buNone/>
-            </a:pPr>
-            <a:r>
-              <a:rPr lang="en">
-                <a:solidFill>
-                  <a:schemeClr val="lt1"/>
-                </a:solidFill>
-                <a:latin typeface="Lato"/>
-                <a:ea typeface="Lato"/>
-                <a:cs typeface="Lato"/>
-                <a:sym typeface="Lato"/>
-              </a:rPr>
-              <a:t>We are expecting much false positives</a:t>
-            </a:r>
-            <a:endParaRPr>
-              <a:solidFill>
-                <a:schemeClr val="lt1"/>
-              </a:solidFill>
-              <a:latin typeface="Lato"/>
-              <a:ea typeface="Lato"/>
-              <a:cs typeface="Lato"/>
-              <a:sym typeface="Lato"/>
-            </a:endParaRPr>
-          </a:p>
-        </p:txBody>
-      </p:sp>
-      <p:sp>
-        <p:nvSpPr>
-          <p:cNvPr id="180" name="Google Shape;180;p19"/>
-          <p:cNvSpPr txBox="1"/>
-          <p:nvPr/>
-        </p:nvSpPr>
-        <p:spPr>
-          <a:xfrm>
-            <a:off x="410388" y="1079050"/>
-            <a:ext cx="2598900" cy="400200"/>
-          </a:xfrm>
-          <a:prstGeom prst="rect">
-            <a:avLst/>
-          </a:prstGeom>
-          <a:noFill/>
-          <a:ln>
-            <a:noFill/>
-          </a:ln>
-        </p:spPr>
-        <p:txBody>
-          <a:bodyPr spcFirstLastPara="1" wrap="square" lIns="91425" tIns="91425" rIns="91425" bIns="91425" anchor="t" anchorCtr="0">
-            <a:spAutoFit/>
-          </a:bodyPr>
-          <a:lstStyle/>
-          <a:p>
-            <a:pPr marL="0" lvl="0" indent="0" algn="l" rtl="0">
-              <a:spcBef>
-                <a:spcPts val="0"/>
-              </a:spcBef>
-              <a:spcAft>
-                <a:spcPts val="0"/>
-              </a:spcAft>
-              <a:buNone/>
-            </a:pPr>
-            <a:r>
-              <a:rPr lang="en">
-                <a:solidFill>
-                  <a:schemeClr val="lt1"/>
-                </a:solidFill>
-                <a:latin typeface="Lato"/>
-                <a:ea typeface="Lato"/>
-                <a:cs typeface="Lato"/>
-                <a:sym typeface="Lato"/>
-              </a:rPr>
-              <a:t>Freebayes (test set)</a:t>
-            </a:r>
-            <a:endParaRPr>
-              <a:solidFill>
-                <a:schemeClr val="lt1"/>
-              </a:solidFill>
-              <a:latin typeface="Lato"/>
-              <a:ea typeface="Lato"/>
-              <a:cs typeface="Lato"/>
-              <a:sym typeface="Lato"/>
-            </a:endParaRPr>
-          </a:p>
-        </p:txBody>
-      </p:sp>
-      <p:sp>
-        <p:nvSpPr>
-          <p:cNvPr id="181" name="Google Shape;181;p19"/>
-          <p:cNvSpPr txBox="1"/>
-          <p:nvPr/>
-        </p:nvSpPr>
-        <p:spPr>
-          <a:xfrm>
-            <a:off x="4043050" y="2045600"/>
-            <a:ext cx="1675800" cy="400200"/>
-          </a:xfrm>
-          <a:prstGeom prst="rect">
-            <a:avLst/>
-          </a:prstGeom>
-          <a:noFill/>
-          <a:ln>
-            <a:noFill/>
-          </a:ln>
-        </p:spPr>
-        <p:txBody>
-          <a:bodyPr spcFirstLastPara="1" wrap="square" lIns="91425" tIns="91425" rIns="91425" bIns="91425" anchor="t" anchorCtr="0">
-            <a:spAutoFit/>
-          </a:bodyPr>
-          <a:lstStyle/>
-          <a:p>
-            <a:pPr marL="0" lvl="0" indent="0" algn="l" rtl="0">
-              <a:spcBef>
-                <a:spcPts val="0"/>
-              </a:spcBef>
-              <a:spcAft>
-                <a:spcPts val="0"/>
-              </a:spcAft>
-              <a:buNone/>
-            </a:pPr>
-            <a:r>
-              <a:rPr lang="en">
-                <a:solidFill>
-                  <a:schemeClr val="lt1"/>
-                </a:solidFill>
-                <a:latin typeface="Lato"/>
-                <a:ea typeface="Lato"/>
-                <a:cs typeface="Lato"/>
-                <a:sym typeface="Lato"/>
-              </a:rPr>
-              <a:t>GATK (truth set)</a:t>
-            </a:r>
-            <a:endParaRPr>
-              <a:solidFill>
-                <a:schemeClr val="lt1"/>
-              </a:solidFill>
-              <a:latin typeface="Lato"/>
-              <a:ea typeface="Lato"/>
-              <a:cs typeface="Lato"/>
-              <a:sym typeface="Lato"/>
-            </a:endParaRPr>
-          </a:p>
-        </p:txBody>
-      </p:sp>
-      <p:sp>
-        <p:nvSpPr>
-          <p:cNvPr id="182" name="Google Shape;182;p19"/>
-          <p:cNvSpPr txBox="1"/>
-          <p:nvPr/>
-        </p:nvSpPr>
-        <p:spPr>
-          <a:xfrm>
-            <a:off x="3327100" y="2499825"/>
-            <a:ext cx="476700" cy="923400"/>
-          </a:xfrm>
-          <a:prstGeom prst="rect">
-            <a:avLst/>
-          </a:prstGeom>
-          <a:noFill/>
-          <a:ln>
-            <a:noFill/>
-          </a:ln>
-        </p:spPr>
-        <p:txBody>
-          <a:bodyPr spcFirstLastPara="1" wrap="square" lIns="91425" tIns="91425" rIns="91425" bIns="91425" anchor="t" anchorCtr="0">
-            <a:spAutoFit/>
-          </a:bodyPr>
-          <a:lstStyle/>
-          <a:p>
-            <a:pPr marL="0" lvl="0" indent="0" algn="l" rtl="0">
-              <a:spcBef>
-                <a:spcPts val="0"/>
-              </a:spcBef>
-              <a:spcAft>
-                <a:spcPts val="0"/>
-              </a:spcAft>
-              <a:buNone/>
-            </a:pPr>
-            <a:r>
-              <a:rPr lang="en" sz="4800">
-                <a:solidFill>
-                  <a:schemeClr val="lt1"/>
-                </a:solidFill>
-                <a:latin typeface="Lato"/>
-                <a:ea typeface="Lato"/>
-                <a:cs typeface="Lato"/>
-                <a:sym typeface="Lato"/>
-              </a:rPr>
-              <a:t>&gt;</a:t>
-            </a:r>
-            <a:endParaRPr sz="4800">
-              <a:solidFill>
-                <a:schemeClr val="lt1"/>
-              </a:solidFill>
-              <a:latin typeface="Lato"/>
-              <a:ea typeface="Lato"/>
-              <a:cs typeface="Lato"/>
-              <a:sym typeface="Lato"/>
-            </a:endParaRPr>
-          </a:p>
-        </p:txBody>
-      </p:sp>
-    </p:spTree>
-  </p:cSld>
-  <p:clrMapOvr>
-    <a:masterClrMapping/>
-  </p:clrMapOvr>
-</p:sld>
-</file>
-
-<file path=ppt/slides/slide9.xml><?xml version="1.0" encoding="utf-8"?>
 <p:sld xmlns:a="http://schemas.openxmlformats.org/drawingml/2006/main" xmlns:r="http://schemas.openxmlformats.org/officeDocument/2006/relationships" xmlns:p="http://schemas.openxmlformats.org/presentationml/2006/main">
   <p:cSld>
     <p:spTree>
@@ -15494,6 +15115,164 @@
       </p:par>
     </p:tnLst>
   </p:timing>
+</p:sld>
+</file>
+
+<file path=ppt/slides/slide9.xml><?xml version="1.0" encoding="utf-8"?>
+<p:sld xmlns:a="http://schemas.openxmlformats.org/drawingml/2006/main" xmlns:r="http://schemas.openxmlformats.org/officeDocument/2006/relationships" xmlns:p="http://schemas.openxmlformats.org/presentationml/2006/main">
+  <p:cSld>
+    <p:spTree>
+      <p:nvGrpSpPr>
+        <p:cNvPr id="1" name="Shape 198"/>
+        <p:cNvGrpSpPr/>
+        <p:nvPr/>
+      </p:nvGrpSpPr>
+      <p:grpSpPr>
+        <a:xfrm>
+          <a:off x="0" y="0"/>
+          <a:ext cx="0" cy="0"/>
+          <a:chOff x="0" y="0"/>
+          <a:chExt cx="0" cy="0"/>
+        </a:xfrm>
+      </p:grpSpPr>
+      <p:sp>
+        <p:nvSpPr>
+          <p:cNvPr id="199" name="Google Shape;199;p21"/>
+          <p:cNvSpPr txBox="1">
+            <a:spLocks noGrp="1"/>
+          </p:cNvSpPr>
+          <p:nvPr>
+            <p:ph type="title"/>
+          </p:nvPr>
+        </p:nvSpPr>
+        <p:spPr>
+          <a:prstGeom prst="rect">
+            <a:avLst/>
+          </a:prstGeom>
+        </p:spPr>
+        <p:txBody>
+          <a:bodyPr spcFirstLastPara="1" wrap="square" lIns="91425" tIns="91425" rIns="91425" bIns="91425" anchor="t" anchorCtr="0">
+            <a:normAutofit/>
+          </a:bodyPr>
+          <a:lstStyle/>
+          <a:p>
+            <a:pPr marL="0" lvl="0" indent="0" algn="l" rtl="0">
+              <a:spcBef>
+                <a:spcPts val="0"/>
+              </a:spcBef>
+              <a:spcAft>
+                <a:spcPts val="0"/>
+              </a:spcAft>
+              <a:buNone/>
+            </a:pPr>
+            <a:r>
+              <a:rPr lang="en" sz="2150" dirty="0"/>
+              <a:t>Graphs</a:t>
+            </a:r>
+            <a:endParaRPr sz="2150" dirty="0"/>
+          </a:p>
+        </p:txBody>
+      </p:sp>
+      <p:sp>
+        <p:nvSpPr>
+          <p:cNvPr id="2" name="Text Placeholder 1">
+            <a:extLst>
+              <a:ext uri="{FF2B5EF4-FFF2-40B4-BE49-F238E27FC236}">
+                <a16:creationId xmlns:a16="http://schemas.microsoft.com/office/drawing/2014/main" id="{EF895981-E494-40E5-8073-7F9C47E34D07}"/>
+              </a:ext>
+            </a:extLst>
+          </p:cNvPr>
+          <p:cNvSpPr>
+            <a:spLocks noGrp="1"/>
+          </p:cNvSpPr>
+          <p:nvPr>
+            <p:ph type="body" idx="1"/>
+          </p:nvPr>
+        </p:nvSpPr>
+        <p:spPr>
+          <a:xfrm>
+            <a:off x="1297500" y="986118"/>
+            <a:ext cx="7038900" cy="3492632"/>
+          </a:xfrm>
+        </p:spPr>
+        <p:txBody>
+          <a:bodyPr/>
+          <a:lstStyle/>
+          <a:p>
+            <a:r>
+              <a:rPr lang="en-US" dirty="0"/>
+              <a:t>Comparing VCF files is not easy task</a:t>
+            </a:r>
+          </a:p>
+          <a:p>
+            <a:r>
+              <a:rPr lang="en-US" dirty="0"/>
+              <a:t>Due to the complexity of the human genome, performance can vary across variant types and genomic regions</a:t>
+            </a:r>
+          </a:p>
+        </p:txBody>
+      </p:sp>
+      <p:pic>
+        <p:nvPicPr>
+          <p:cNvPr id="200" name="Google Shape;200;p21"/>
+          <p:cNvPicPr preferRelativeResize="0"/>
+          <p:nvPr/>
+        </p:nvPicPr>
+        <p:blipFill>
+          <a:blip r:embed="rId3">
+            <a:alphaModFix/>
+          </a:blip>
+          <a:stretch>
+            <a:fillRect/>
+          </a:stretch>
+        </p:blipFill>
+        <p:spPr>
+          <a:xfrm>
+            <a:off x="780837" y="2569532"/>
+            <a:ext cx="3580334" cy="2319017"/>
+          </a:xfrm>
+          <a:prstGeom prst="rect">
+            <a:avLst/>
+          </a:prstGeom>
+          <a:noFill/>
+          <a:ln>
+            <a:noFill/>
+          </a:ln>
+        </p:spPr>
+      </p:pic>
+      <p:pic>
+        <p:nvPicPr>
+          <p:cNvPr id="201" name="Google Shape;201;p21"/>
+          <p:cNvPicPr preferRelativeResize="0"/>
+          <p:nvPr/>
+        </p:nvPicPr>
+        <p:blipFill>
+          <a:blip r:embed="rId4">
+            <a:alphaModFix/>
+          </a:blip>
+          <a:stretch>
+            <a:fillRect/>
+          </a:stretch>
+        </p:blipFill>
+        <p:spPr>
+          <a:xfrm>
+            <a:off x="4943372" y="2587472"/>
+            <a:ext cx="3594347" cy="2319017"/>
+          </a:xfrm>
+          <a:prstGeom prst="rect">
+            <a:avLst/>
+          </a:prstGeom>
+          <a:noFill/>
+          <a:ln>
+            <a:noFill/>
+          </a:ln>
+        </p:spPr>
+      </p:pic>
+    </p:spTree>
+  </p:cSld>
+  <p:clrMapOvr>
+    <a:masterClrMapping/>
+  </p:clrMapOvr>
 </p:sld>
 </file>
 
